--- a/ERD.pptx
+++ b/ERD.pptx
@@ -104,7 +104,24 @@
       </a:defRPr>
     </a:lvl9pPr>
   </p:defaultTextStyle>
+  <p:extLst>
+    <p:ext uri="{EFAFB233-063F-42B5-8137-9DF3F51BA10A}">
+      <p15:sldGuideLst xmlns:p15="http://schemas.microsoft.com/office/powerpoint/2012/main"/>
+    </p:ext>
+  </p:extLst>
 </p:presentation>
+</file>
+
+<file path=ppt/commentAuthors.xml><?xml version="1.0" encoding="utf-8"?>
+<p:cmAuthorLst xmlns:a="http://schemas.openxmlformats.org/drawingml/2006/main" xmlns:r="http://schemas.openxmlformats.org/officeDocument/2006/relationships" xmlns:p="http://schemas.openxmlformats.org/presentationml/2006/main">
+  <p:cmAuthor id="1" name="박성훈" initials="박" lastIdx="1" clrIdx="0">
+    <p:extLst>
+      <p:ext uri="{19B8F6BF-5375-455C-9EA6-DF929625EA0E}">
+        <p15:presenceInfo xmlns:p15="http://schemas.microsoft.com/office/powerpoint/2012/main" userId="박성훈" providerId="None"/>
+      </p:ext>
+    </p:extLst>
+  </p:cmAuthor>
+</p:cmAuthorLst>
 </file>
 
 <file path=ppt/slideLayouts/slideLayout1.xml><?xml version="1.0" encoding="utf-8"?>
@@ -254,7 +271,7 @@
           <a:p>
             <a:fld id="{4C3819C9-7C06-49C6-999F-BFDEF2D79520}" type="datetimeFigureOut">
               <a:rPr lang="ko-KR" altLang="en-US" smtClean="0"/>
-              <a:t>2019-11-11</a:t>
+              <a:t>2019-11-21</a:t>
             </a:fld>
             <a:endParaRPr lang="ko-KR" altLang="en-US"/>
           </a:p>
@@ -452,7 +469,7 @@
           <a:p>
             <a:fld id="{4C3819C9-7C06-49C6-999F-BFDEF2D79520}" type="datetimeFigureOut">
               <a:rPr lang="ko-KR" altLang="en-US" smtClean="0"/>
-              <a:t>2019-11-11</a:t>
+              <a:t>2019-11-21</a:t>
             </a:fld>
             <a:endParaRPr lang="ko-KR" altLang="en-US"/>
           </a:p>
@@ -660,7 +677,7 @@
           <a:p>
             <a:fld id="{4C3819C9-7C06-49C6-999F-BFDEF2D79520}" type="datetimeFigureOut">
               <a:rPr lang="ko-KR" altLang="en-US" smtClean="0"/>
-              <a:t>2019-11-11</a:t>
+              <a:t>2019-11-21</a:t>
             </a:fld>
             <a:endParaRPr lang="ko-KR" altLang="en-US"/>
           </a:p>
@@ -858,7 +875,7 @@
           <a:p>
             <a:fld id="{4C3819C9-7C06-49C6-999F-BFDEF2D79520}" type="datetimeFigureOut">
               <a:rPr lang="ko-KR" altLang="en-US" smtClean="0"/>
-              <a:t>2019-11-11</a:t>
+              <a:t>2019-11-21</a:t>
             </a:fld>
             <a:endParaRPr lang="ko-KR" altLang="en-US"/>
           </a:p>
@@ -1133,7 +1150,7 @@
           <a:p>
             <a:fld id="{4C3819C9-7C06-49C6-999F-BFDEF2D79520}" type="datetimeFigureOut">
               <a:rPr lang="ko-KR" altLang="en-US" smtClean="0"/>
-              <a:t>2019-11-11</a:t>
+              <a:t>2019-11-21</a:t>
             </a:fld>
             <a:endParaRPr lang="ko-KR" altLang="en-US"/>
           </a:p>
@@ -1398,7 +1415,7 @@
           <a:p>
             <a:fld id="{4C3819C9-7C06-49C6-999F-BFDEF2D79520}" type="datetimeFigureOut">
               <a:rPr lang="ko-KR" altLang="en-US" smtClean="0"/>
-              <a:t>2019-11-11</a:t>
+              <a:t>2019-11-21</a:t>
             </a:fld>
             <a:endParaRPr lang="ko-KR" altLang="en-US"/>
           </a:p>
@@ -1810,7 +1827,7 @@
           <a:p>
             <a:fld id="{4C3819C9-7C06-49C6-999F-BFDEF2D79520}" type="datetimeFigureOut">
               <a:rPr lang="ko-KR" altLang="en-US" smtClean="0"/>
-              <a:t>2019-11-11</a:t>
+              <a:t>2019-11-21</a:t>
             </a:fld>
             <a:endParaRPr lang="ko-KR" altLang="en-US"/>
           </a:p>
@@ -1951,7 +1968,7 @@
           <a:p>
             <a:fld id="{4C3819C9-7C06-49C6-999F-BFDEF2D79520}" type="datetimeFigureOut">
               <a:rPr lang="ko-KR" altLang="en-US" smtClean="0"/>
-              <a:t>2019-11-11</a:t>
+              <a:t>2019-11-21</a:t>
             </a:fld>
             <a:endParaRPr lang="ko-KR" altLang="en-US"/>
           </a:p>
@@ -2064,7 +2081,7 @@
           <a:p>
             <a:fld id="{4C3819C9-7C06-49C6-999F-BFDEF2D79520}" type="datetimeFigureOut">
               <a:rPr lang="ko-KR" altLang="en-US" smtClean="0"/>
-              <a:t>2019-11-11</a:t>
+              <a:t>2019-11-21</a:t>
             </a:fld>
             <a:endParaRPr lang="ko-KR" altLang="en-US"/>
           </a:p>
@@ -2375,7 +2392,7 @@
           <a:p>
             <a:fld id="{4C3819C9-7C06-49C6-999F-BFDEF2D79520}" type="datetimeFigureOut">
               <a:rPr lang="ko-KR" altLang="en-US" smtClean="0"/>
-              <a:t>2019-11-11</a:t>
+              <a:t>2019-11-21</a:t>
             </a:fld>
             <a:endParaRPr lang="ko-KR" altLang="en-US"/>
           </a:p>
@@ -2663,7 +2680,7 @@
           <a:p>
             <a:fld id="{4C3819C9-7C06-49C6-999F-BFDEF2D79520}" type="datetimeFigureOut">
               <a:rPr lang="ko-KR" altLang="en-US" smtClean="0"/>
-              <a:t>2019-11-11</a:t>
+              <a:t>2019-11-21</a:t>
             </a:fld>
             <a:endParaRPr lang="ko-KR" altLang="en-US"/>
           </a:p>
@@ -2904,7 +2921,7 @@
           <a:p>
             <a:fld id="{4C3819C9-7C06-49C6-999F-BFDEF2D79520}" type="datetimeFigureOut">
               <a:rPr lang="ko-KR" altLang="en-US" smtClean="0"/>
-              <a:t>2019-11-11</a:t>
+              <a:t>2019-11-21</a:t>
             </a:fld>
             <a:endParaRPr lang="ko-KR" altLang="en-US"/>
           </a:p>
@@ -3336,7 +3353,7 @@
           <p:nvPr>
             <p:extLst>
               <p:ext uri="{D42A27DB-BD31-4B8C-83A1-F6EECF244321}">
-                <p14:modId xmlns:p14="http://schemas.microsoft.com/office/powerpoint/2010/main" val="2002936027"/>
+                <p14:modId xmlns:p14="http://schemas.microsoft.com/office/powerpoint/2010/main" val="2686199484"/>
               </p:ext>
             </p:extLst>
           </p:nvPr>
@@ -3389,10 +3406,10 @@
                     <a:p>
                       <a:pPr latinLnBrk="1"/>
                       <a:r>
-                        <a:rPr lang="en-US" altLang="ko-KR" sz="1200" dirty="0"/>
+                        <a:rPr lang="en-US" altLang="ko-KR" sz="1200" u="sng" dirty="0"/>
                         <a:t>Id</a:t>
                       </a:r>
-                      <a:endParaRPr lang="ko-KR" altLang="en-US" sz="1200" dirty="0"/>
+                      <a:endParaRPr lang="ko-KR" altLang="en-US" sz="1200" u="sng" dirty="0"/>
                     </a:p>
                   </a:txBody>
                   <a:tcPr/>
@@ -3485,14 +3502,14 @@
           <p:nvPr>
             <p:extLst>
               <p:ext uri="{D42A27DB-BD31-4B8C-83A1-F6EECF244321}">
-                <p14:modId xmlns:p14="http://schemas.microsoft.com/office/powerpoint/2010/main" val="2319665370"/>
+                <p14:modId xmlns:p14="http://schemas.microsoft.com/office/powerpoint/2010/main" val="653445820"/>
               </p:ext>
             </p:extLst>
           </p:nvPr>
         </p:nvGraphicFramePr>
         <p:xfrm>
           <a:off x="2915841" y="1030206"/>
-          <a:ext cx="1249082" cy="1371600"/>
+          <a:ext cx="1249082" cy="1379039"/>
         </p:xfrm>
         <a:graphic>
           <a:graphicData uri="http://schemas.openxmlformats.org/drawingml/2006/table">
@@ -3509,7 +3526,7 @@
                   </a:extLst>
                 </a:gridCol>
               </a:tblGrid>
-              <a:tr h="250166">
+              <a:tr h="281759">
                 <a:tc>
                   <a:txBody>
                     <a:bodyPr/>
@@ -3538,10 +3555,10 @@
                     <a:p>
                       <a:pPr latinLnBrk="1"/>
                       <a:r>
-                        <a:rPr lang="en-US" altLang="ko-KR" sz="1200" dirty="0"/>
+                        <a:rPr lang="en-US" altLang="ko-KR" sz="1200" u="sng" dirty="0"/>
                         <a:t>Id</a:t>
                       </a:r>
-                      <a:endParaRPr lang="ko-KR" altLang="en-US" sz="1200" dirty="0"/>
+                      <a:endParaRPr lang="ko-KR" altLang="en-US" sz="1200" u="sng" dirty="0"/>
                     </a:p>
                   </a:txBody>
                   <a:tcPr/>
@@ -3634,7 +3651,7 @@
           <p:nvPr>
             <p:extLst>
               <p:ext uri="{D42A27DB-BD31-4B8C-83A1-F6EECF244321}">
-                <p14:modId xmlns:p14="http://schemas.microsoft.com/office/powerpoint/2010/main" val="2649240525"/>
+                <p14:modId xmlns:p14="http://schemas.microsoft.com/office/powerpoint/2010/main" val="1159020174"/>
               </p:ext>
             </p:extLst>
           </p:nvPr>
@@ -3687,10 +3704,10 @@
                     <a:p>
                       <a:pPr latinLnBrk="1"/>
                       <a:r>
-                        <a:rPr lang="en-US" altLang="ko-KR" sz="1200" dirty="0"/>
+                        <a:rPr lang="en-US" altLang="ko-KR" sz="1200" u="sng" dirty="0"/>
                         <a:t>Id</a:t>
                       </a:r>
-                      <a:endParaRPr lang="ko-KR" altLang="en-US" sz="1200" dirty="0"/>
+                      <a:endParaRPr lang="ko-KR" altLang="en-US" sz="1200" u="sng" dirty="0"/>
                     </a:p>
                   </a:txBody>
                   <a:tcPr/>
@@ -3784,14 +3801,14 @@
           <p:nvPr>
             <p:extLst>
               <p:ext uri="{D42A27DB-BD31-4B8C-83A1-F6EECF244321}">
-                <p14:modId xmlns:p14="http://schemas.microsoft.com/office/powerpoint/2010/main" val="373977057"/>
+                <p14:modId xmlns:p14="http://schemas.microsoft.com/office/powerpoint/2010/main" val="2041934764"/>
               </p:ext>
             </p:extLst>
           </p:nvPr>
         </p:nvGraphicFramePr>
         <p:xfrm>
           <a:off x="5209766" y="3358917"/>
-          <a:ext cx="1378791" cy="1371600"/>
+          <a:ext cx="1378791" cy="1482851"/>
         </p:xfrm>
         <a:graphic>
           <a:graphicData uri="http://schemas.openxmlformats.org/drawingml/2006/table">
@@ -3808,7 +3825,7 @@
                   </a:extLst>
                 </a:gridCol>
               </a:tblGrid>
-              <a:tr h="268443">
+              <a:tr h="385571">
                 <a:tc>
                   <a:txBody>
                     <a:bodyPr/>
@@ -3842,18 +3859,18 @@
                     <a:p>
                       <a:pPr latinLnBrk="1"/>
                       <a:r>
-                        <a:rPr lang="en-US" altLang="ko-KR" sz="1200" dirty="0"/>
+                        <a:rPr lang="en-US" altLang="ko-KR" sz="1200" u="sng" dirty="0"/>
                         <a:t>Id(</a:t>
                       </a:r>
                       <a:r>
-                        <a:rPr lang="ko-KR" altLang="en-US" sz="1200" dirty="0"/>
+                        <a:rPr lang="ko-KR" altLang="en-US" sz="1200" u="sng" dirty="0"/>
                         <a:t>식별자</a:t>
                       </a:r>
                       <a:r>
-                        <a:rPr lang="en-US" altLang="ko-KR" sz="1200" dirty="0"/>
+                        <a:rPr lang="en-US" altLang="ko-KR" sz="1200" u="sng" dirty="0"/>
                         <a:t>)</a:t>
                       </a:r>
-                      <a:endParaRPr lang="ko-KR" altLang="en-US" sz="1200" dirty="0"/>
+                      <a:endParaRPr lang="ko-KR" altLang="en-US" sz="1200" u="sng" dirty="0"/>
                     </a:p>
                   </a:txBody>
                   <a:tcPr/>
@@ -4071,13 +4088,13 @@
           <p:nvPr>
             <p:extLst>
               <p:ext uri="{D42A27DB-BD31-4B8C-83A1-F6EECF244321}">
-                <p14:modId xmlns:p14="http://schemas.microsoft.com/office/powerpoint/2010/main" val="3698574883"/>
+                <p14:modId xmlns:p14="http://schemas.microsoft.com/office/powerpoint/2010/main" val="3822982454"/>
               </p:ext>
             </p:extLst>
           </p:nvPr>
         </p:nvGraphicFramePr>
         <p:xfrm>
-          <a:off x="7957419" y="3358917"/>
+          <a:off x="8017155" y="3024629"/>
           <a:ext cx="989106" cy="1645920"/>
         </p:xfrm>
         <a:graphic>
@@ -4124,10 +4141,10 @@
                     <a:p>
                       <a:pPr latinLnBrk="1"/>
                       <a:r>
-                        <a:rPr lang="en-US" altLang="ko-KR" sz="1200" dirty="0"/>
+                        <a:rPr lang="en-US" altLang="ko-KR" sz="1200" u="sng" dirty="0"/>
                         <a:t>Id</a:t>
                       </a:r>
-                      <a:endParaRPr lang="ko-KR" altLang="en-US" sz="1200" dirty="0"/>
+                      <a:endParaRPr lang="ko-KR" altLang="en-US" sz="1200" u="sng" dirty="0"/>
                     </a:p>
                   </a:txBody>
                   <a:tcPr/>
@@ -4534,8 +4551,8 @@
         </p:nvSpPr>
         <p:spPr>
           <a:xfrm>
-            <a:off x="5649130" y="2754594"/>
-            <a:ext cx="500062" cy="328612"/>
+            <a:off x="5303866" y="2609210"/>
+            <a:ext cx="1065433" cy="588209"/>
           </a:xfrm>
           <a:prstGeom prst="diamond">
             <a:avLst/>
@@ -4563,7 +4580,26 @@
           <a:lstStyle/>
           <a:p>
             <a:pPr algn="ctr"/>
-            <a:endParaRPr lang="ko-KR" altLang="en-US"/>
+            <a:r>
+              <a:rPr lang="ko-KR" altLang="en-US" sz="800" dirty="0"/>
+              <a:t>지점</a:t>
+            </a:r>
+            <a:endParaRPr lang="en-US" altLang="ko-KR" sz="800" dirty="0"/>
+          </a:p>
+          <a:p>
+            <a:pPr algn="ctr"/>
+            <a:r>
+              <a:rPr lang="ko-KR" altLang="en-US" sz="800" dirty="0"/>
+              <a:t>별</a:t>
+            </a:r>
+            <a:endParaRPr lang="en-US" altLang="ko-KR" sz="800" dirty="0"/>
+          </a:p>
+          <a:p>
+            <a:pPr algn="ctr"/>
+            <a:r>
+              <a:rPr lang="ko-KR" altLang="en-US" sz="800" dirty="0"/>
+              <a:t>정보</a:t>
+            </a:r>
           </a:p>
         </p:txBody>
       </p:sp>
@@ -4581,8 +4617,8 @@
         </p:nvSpPr>
         <p:spPr>
           <a:xfrm>
-            <a:off x="7022957" y="3750469"/>
-            <a:ext cx="500062" cy="328612"/>
+            <a:off x="6938634" y="3442181"/>
+            <a:ext cx="724820" cy="650081"/>
           </a:xfrm>
           <a:prstGeom prst="diamond">
             <a:avLst/>
@@ -4609,7 +4645,10 @@
           <a:lstStyle/>
           <a:p>
             <a:pPr algn="ctr"/>
-            <a:endParaRPr lang="ko-KR" altLang="en-US"/>
+            <a:r>
+              <a:rPr lang="ko-KR" altLang="en-US" sz="800" dirty="0"/>
+              <a:t>직원정보</a:t>
+            </a:r>
           </a:p>
         </p:txBody>
       </p:sp>
@@ -4671,8 +4710,8 @@
         </p:nvCxnSpPr>
         <p:spPr>
           <a:xfrm flipV="1">
-            <a:off x="2669291" y="1716006"/>
-            <a:ext cx="246550" cy="9525"/>
+            <a:off x="2669291" y="1719725"/>
+            <a:ext cx="246550" cy="5806"/>
           </a:xfrm>
           <a:prstGeom prst="line">
             <a:avLst/>
@@ -4704,14 +4743,15 @@
           </p:cNvPr>
           <p:cNvCxnSpPr>
             <a:cxnSpLocks/>
+            <a:stCxn id="7" idx="2"/>
             <a:endCxn id="16" idx="0"/>
           </p:cNvCxnSpPr>
           <p:nvPr/>
         </p:nvCxnSpPr>
         <p:spPr>
           <a:xfrm>
-            <a:off x="5899161" y="2392281"/>
-            <a:ext cx="0" cy="362313"/>
+            <a:off x="5829545" y="2420857"/>
+            <a:ext cx="7038" cy="188353"/>
           </a:xfrm>
           <a:prstGeom prst="line">
             <a:avLst/>
@@ -4748,9 +4788,9 @@
           <p:nvPr/>
         </p:nvCxnSpPr>
         <p:spPr>
-          <a:xfrm flipH="1">
-            <a:off x="5899160" y="3083206"/>
-            <a:ext cx="1" cy="278606"/>
+          <a:xfrm>
+            <a:off x="5836583" y="3197419"/>
+            <a:ext cx="23115" cy="302257"/>
           </a:xfrm>
           <a:prstGeom prst="line">
             <a:avLst/>
@@ -4786,8 +4826,8 @@
         </p:nvSpPr>
         <p:spPr>
           <a:xfrm>
-            <a:off x="7097884" y="1427316"/>
-            <a:ext cx="500062" cy="328612"/>
+            <a:off x="6936712" y="1316528"/>
+            <a:ext cx="730320" cy="725722"/>
           </a:xfrm>
           <a:prstGeom prst="diamond">
             <a:avLst/>
@@ -4871,9 +4911,9 @@
           <p:nvPr/>
         </p:nvCxnSpPr>
         <p:spPr>
-          <a:xfrm flipV="1">
-            <a:off x="7272988" y="2392281"/>
-            <a:ext cx="0" cy="1358188"/>
+          <a:xfrm flipH="1" flipV="1">
+            <a:off x="7269511" y="2394448"/>
+            <a:ext cx="31533" cy="1047733"/>
           </a:xfrm>
           <a:prstGeom prst="line">
             <a:avLst/>
@@ -4904,14 +4944,15 @@
             </a:extLst>
           </p:cNvPr>
           <p:cNvCxnSpPr>
+            <a:cxnSpLocks/>
             <a:stCxn id="17" idx="3"/>
           </p:cNvCxnSpPr>
           <p:nvPr/>
         </p:nvCxnSpPr>
         <p:spPr>
-          <a:xfrm>
-            <a:off x="7523019" y="3914775"/>
-            <a:ext cx="434400" cy="0"/>
+          <a:xfrm flipV="1">
+            <a:off x="7663454" y="3763650"/>
+            <a:ext cx="402332" cy="3572"/>
           </a:xfrm>
           <a:prstGeom prst="line">
             <a:avLst/>
@@ -4942,14 +4983,16 @@
             </a:extLst>
           </p:cNvPr>
           <p:cNvCxnSpPr>
+            <a:cxnSpLocks/>
             <a:stCxn id="32" idx="1"/>
+            <a:endCxn id="7" idx="3"/>
           </p:cNvCxnSpPr>
           <p:nvPr/>
         </p:nvCxnSpPr>
         <p:spPr>
           <a:xfrm flipH="1">
-            <a:off x="6588557" y="1591622"/>
-            <a:ext cx="509327" cy="0"/>
+            <a:off x="6588557" y="1679389"/>
+            <a:ext cx="348155" cy="55668"/>
           </a:xfrm>
           <a:prstGeom prst="line">
             <a:avLst/>
@@ -4987,8 +5030,8 @@
         </p:nvCxnSpPr>
         <p:spPr>
           <a:xfrm>
-            <a:off x="7597946" y="1591622"/>
-            <a:ext cx="466928" cy="0"/>
+            <a:off x="7667032" y="1679389"/>
+            <a:ext cx="348155" cy="0"/>
           </a:xfrm>
           <a:prstGeom prst="line">
             <a:avLst/>
@@ -5070,8 +5113,8 @@
         </p:nvSpPr>
         <p:spPr>
           <a:xfrm>
-            <a:off x="9292654" y="2755907"/>
-            <a:ext cx="500062" cy="328612"/>
+            <a:off x="8815367" y="2420857"/>
+            <a:ext cx="977349" cy="663662"/>
           </a:xfrm>
           <a:prstGeom prst="diamond">
             <a:avLst/>
@@ -5113,14 +5156,15 @@
             </a:extLst>
           </p:cNvPr>
           <p:cNvCxnSpPr>
+            <a:cxnSpLocks/>
             <a:endCxn id="58" idx="0"/>
           </p:cNvCxnSpPr>
           <p:nvPr/>
         </p:nvCxnSpPr>
         <p:spPr>
           <a:xfrm>
-            <a:off x="9542685" y="2027962"/>
-            <a:ext cx="0" cy="727945"/>
+            <a:off x="9304042" y="2042250"/>
+            <a:ext cx="0" cy="378607"/>
           </a:xfrm>
           <a:prstGeom prst="line">
             <a:avLst/>
@@ -5151,14 +5195,15 @@
             </a:extLst>
           </p:cNvPr>
           <p:cNvCxnSpPr>
+            <a:cxnSpLocks/>
             <a:stCxn id="58" idx="3"/>
           </p:cNvCxnSpPr>
           <p:nvPr/>
         </p:nvCxnSpPr>
         <p:spPr>
-          <a:xfrm flipV="1">
-            <a:off x="9792716" y="2918900"/>
-            <a:ext cx="1382910" cy="1313"/>
+          <a:xfrm>
+            <a:off x="9792716" y="2752688"/>
+            <a:ext cx="1382910" cy="166213"/>
           </a:xfrm>
           <a:prstGeom prst="line">
             <a:avLst/>
@@ -5308,8 +5353,8 @@
         </p:nvSpPr>
         <p:spPr>
           <a:xfrm>
-            <a:off x="3298293" y="2742763"/>
-            <a:ext cx="500062" cy="328612"/>
+            <a:off x="3087444" y="2607841"/>
+            <a:ext cx="860397" cy="610033"/>
           </a:xfrm>
           <a:prstGeom prst="diamond">
             <a:avLst/>
@@ -5336,7 +5381,10 @@
           <a:lstStyle/>
           <a:p>
             <a:pPr algn="ctr"/>
-            <a:endParaRPr lang="ko-KR" altLang="en-US"/>
+            <a:r>
+              <a:rPr lang="ko-KR" altLang="en-US" sz="800" dirty="0"/>
+              <a:t>영화 상영정보</a:t>
+            </a:r>
           </a:p>
         </p:txBody>
       </p:sp>
@@ -5357,9 +5405,9 @@
           <p:nvPr/>
         </p:nvCxnSpPr>
         <p:spPr>
-          <a:xfrm>
-            <a:off x="3540382" y="2401806"/>
-            <a:ext cx="7942" cy="340957"/>
+          <a:xfrm flipH="1">
+            <a:off x="3517643" y="2409245"/>
+            <a:ext cx="22739" cy="198596"/>
           </a:xfrm>
           <a:prstGeom prst="line">
             <a:avLst/>
@@ -5395,14 +5443,14 @@
           <p:nvPr>
             <p:extLst>
               <p:ext uri="{D42A27DB-BD31-4B8C-83A1-F6EECF244321}">
-                <p14:modId xmlns:p14="http://schemas.microsoft.com/office/powerpoint/2010/main" val="1932875061"/>
+                <p14:modId xmlns:p14="http://schemas.microsoft.com/office/powerpoint/2010/main" val="3112967315"/>
               </p:ext>
             </p:extLst>
           </p:nvPr>
         </p:nvGraphicFramePr>
         <p:xfrm>
           <a:off x="2923783" y="3382179"/>
-          <a:ext cx="1249082" cy="1371600"/>
+          <a:ext cx="1249082" cy="822960"/>
         </p:xfrm>
         <a:graphic>
           <a:graphicData uri="http://schemas.openxmlformats.org/drawingml/2006/table">
@@ -5419,7 +5467,7 @@
                   </a:extLst>
                 </a:gridCol>
               </a:tblGrid>
-              <a:tr h="250166">
+              <a:tr h="0">
                 <a:tc>
                   <a:txBody>
                     <a:bodyPr/>
@@ -5440,7 +5488,7 @@
                   </a:ext>
                 </a:extLst>
               </a:tr>
-              <a:tr h="268443">
+              <a:tr h="0">
                 <a:tc>
                   <a:txBody>
                     <a:bodyPr/>
@@ -5448,10 +5496,10 @@
                     <a:p>
                       <a:pPr latinLnBrk="1"/>
                       <a:r>
-                        <a:rPr lang="en-US" altLang="ko-KR" sz="1200" dirty="0"/>
+                        <a:rPr lang="en-US" altLang="ko-KR" sz="1200" u="sng" dirty="0"/>
                         <a:t>Id</a:t>
                       </a:r>
-                      <a:endParaRPr lang="ko-KR" altLang="en-US" sz="1200" dirty="0"/>
+                      <a:endParaRPr lang="ko-KR" altLang="en-US" sz="1200" u="sng" dirty="0"/>
                     </a:p>
                   </a:txBody>
                   <a:tcPr/>
@@ -5462,7 +5510,7 @@
                   </a:ext>
                 </a:extLst>
               </a:tr>
-              <a:tr h="268443">
+              <a:tr h="269790">
                 <a:tc>
                   <a:txBody>
                     <a:bodyPr/>
@@ -5470,9 +5518,10 @@
                     <a:p>
                       <a:pPr latinLnBrk="1"/>
                       <a:r>
-                        <a:rPr lang="ko-KR" altLang="en-US" sz="1200" dirty="0"/>
-                        <a:t>제목</a:t>
+                        <a:rPr lang="en-US" altLang="ko-KR" sz="1200" dirty="0" err="1"/>
+                        <a:t>starttime</a:t>
                       </a:r>
+                      <a:endParaRPr lang="ko-KR" altLang="en-US" sz="1200" dirty="0"/>
                     </a:p>
                   </a:txBody>
                   <a:tcPr/>
@@ -5483,48 +5532,6 @@
                   </a:ext>
                 </a:extLst>
               </a:tr>
-              <a:tr h="268443">
-                <a:tc>
-                  <a:txBody>
-                    <a:bodyPr/>
-                    <a:lstStyle/>
-                    <a:p>
-                      <a:pPr latinLnBrk="1"/>
-                      <a:r>
-                        <a:rPr lang="ko-KR" altLang="en-US" sz="1200" dirty="0"/>
-                        <a:t>개봉일</a:t>
-                      </a:r>
-                    </a:p>
-                  </a:txBody>
-                  <a:tcPr/>
-                </a:tc>
-                <a:extLst>
-                  <a:ext uri="{0D108BD9-81ED-4DB2-BD59-A6C34878D82A}">
-                    <a16:rowId xmlns:a16="http://schemas.microsoft.com/office/drawing/2014/main" val="98262409"/>
-                  </a:ext>
-                </a:extLst>
-              </a:tr>
-              <a:tr h="268443">
-                <a:tc>
-                  <a:txBody>
-                    <a:bodyPr/>
-                    <a:lstStyle/>
-                    <a:p>
-                      <a:pPr latinLnBrk="1"/>
-                      <a:r>
-                        <a:rPr lang="ko-KR" altLang="en-US" sz="1200" dirty="0"/>
-                        <a:t>러닝타임</a:t>
-                      </a:r>
-                    </a:p>
-                  </a:txBody>
-                  <a:tcPr/>
-                </a:tc>
-                <a:extLst>
-                  <a:ext uri="{0D108BD9-81ED-4DB2-BD59-A6C34878D82A}">
-                    <a16:rowId xmlns:a16="http://schemas.microsoft.com/office/drawing/2014/main" val="426782052"/>
-                  </a:ext>
-                </a:extLst>
-              </a:tr>
             </a:tbl>
           </a:graphicData>
         </a:graphic>
@@ -5543,8 +5550,8 @@
         </p:nvSpPr>
         <p:spPr>
           <a:xfrm>
-            <a:off x="4459673" y="3910817"/>
-            <a:ext cx="500062" cy="328612"/>
+            <a:off x="4292716" y="3499676"/>
+            <a:ext cx="833342" cy="1028131"/>
           </a:xfrm>
           <a:prstGeom prst="diamond">
             <a:avLst/>
@@ -5571,7 +5578,18 @@
           <a:lstStyle/>
           <a:p>
             <a:pPr algn="ctr"/>
-            <a:endParaRPr lang="ko-KR" altLang="en-US"/>
+            <a:r>
+              <a:rPr lang="ko-KR" altLang="en-US" sz="800" dirty="0"/>
+              <a:t>관 별</a:t>
+            </a:r>
+            <a:endParaRPr lang="en-US" altLang="ko-KR" sz="800" dirty="0"/>
+          </a:p>
+          <a:p>
+            <a:pPr algn="ctr"/>
+            <a:r>
+              <a:rPr lang="ko-KR" altLang="en-US" sz="800" dirty="0"/>
+              <a:t>상영정보</a:t>
+            </a:r>
           </a:p>
         </p:txBody>
       </p:sp>
@@ -5585,14 +5603,16 @@
             </a:extLst>
           </p:cNvPr>
           <p:cNvCxnSpPr>
+            <a:cxnSpLocks/>
+            <a:stCxn id="83" idx="0"/>
             <a:endCxn id="76" idx="2"/>
           </p:cNvCxnSpPr>
           <p:nvPr/>
         </p:nvCxnSpPr>
         <p:spPr>
-          <a:xfrm flipV="1">
-            <a:off x="3548324" y="3071375"/>
-            <a:ext cx="0" cy="310804"/>
+          <a:xfrm flipH="1" flipV="1">
+            <a:off x="3517643" y="3217874"/>
+            <a:ext cx="30681" cy="164305"/>
           </a:xfrm>
           <a:prstGeom prst="line">
             <a:avLst/>
@@ -5623,14 +5643,14 @@
             </a:extLst>
           </p:cNvPr>
           <p:cNvCxnSpPr>
-            <a:endCxn id="86" idx="1"/>
+            <a:cxnSpLocks/>
           </p:cNvCxnSpPr>
           <p:nvPr/>
         </p:nvCxnSpPr>
         <p:spPr>
           <a:xfrm>
-            <a:off x="4172865" y="4069556"/>
-            <a:ext cx="286808" cy="5567"/>
+            <a:off x="4155114" y="4038362"/>
+            <a:ext cx="320452" cy="0"/>
           </a:xfrm>
           <a:prstGeom prst="line">
             <a:avLst/>
@@ -5661,14 +5681,15 @@
             </a:extLst>
           </p:cNvPr>
           <p:cNvCxnSpPr>
+            <a:cxnSpLocks/>
             <a:endCxn id="86" idx="3"/>
           </p:cNvCxnSpPr>
           <p:nvPr/>
         </p:nvCxnSpPr>
         <p:spPr>
           <a:xfrm flipH="1">
-            <a:off x="4959735" y="4075123"/>
-            <a:ext cx="250031" cy="0"/>
+            <a:off x="5126058" y="3977642"/>
+            <a:ext cx="106223" cy="36100"/>
           </a:xfrm>
           <a:prstGeom prst="line">
             <a:avLst/>
@@ -5704,14 +5725,14 @@
           <p:nvPr>
             <p:extLst>
               <p:ext uri="{D42A27DB-BD31-4B8C-83A1-F6EECF244321}">
-                <p14:modId xmlns:p14="http://schemas.microsoft.com/office/powerpoint/2010/main" val="2054423706"/>
+                <p14:modId xmlns:p14="http://schemas.microsoft.com/office/powerpoint/2010/main" val="2760888140"/>
               </p:ext>
             </p:extLst>
           </p:nvPr>
         </p:nvGraphicFramePr>
         <p:xfrm>
-          <a:off x="630144" y="4770448"/>
-          <a:ext cx="1168400" cy="1645920"/>
+          <a:off x="613287" y="3429002"/>
+          <a:ext cx="1168400" cy="548640"/>
         </p:xfrm>
         <a:graphic>
           <a:graphicData uri="http://schemas.openxmlformats.org/drawingml/2006/table">
@@ -5728,7 +5749,7 @@
                   </a:extLst>
                 </a:gridCol>
               </a:tblGrid>
-              <a:tr h="253003">
+              <a:tr h="0">
                 <a:tc>
                   <a:txBody>
                     <a:bodyPr/>
@@ -5749,7 +5770,7 @@
                   </a:ext>
                 </a:extLst>
               </a:tr>
-              <a:tr h="268443">
+              <a:tr h="183541">
                 <a:tc>
                   <a:txBody>
                     <a:bodyPr/>
@@ -5757,10 +5778,9 @@
                     <a:p>
                       <a:pPr latinLnBrk="1"/>
                       <a:r>
-                        <a:rPr lang="en-US" altLang="ko-KR" sz="1200" dirty="0"/>
-                        <a:t>Id</a:t>
+                        <a:rPr lang="ko-KR" altLang="en-US" sz="1200" u="sng" dirty="0"/>
+                        <a:t>예매번호</a:t>
                       </a:r>
-                      <a:endParaRPr lang="ko-KR" altLang="en-US" sz="1200" dirty="0"/>
                     </a:p>
                   </a:txBody>
                   <a:tcPr/>
@@ -5771,343 +5791,10 @@
                   </a:ext>
                 </a:extLst>
               </a:tr>
-              <a:tr h="268443">
-                <a:tc>
-                  <a:txBody>
-                    <a:bodyPr/>
-                    <a:lstStyle/>
-                    <a:p>
-                      <a:pPr latinLnBrk="1"/>
-                      <a:r>
-                        <a:rPr lang="ko-KR" altLang="en-US" sz="1200" dirty="0"/>
-                        <a:t>이름</a:t>
-                      </a:r>
-                    </a:p>
-                  </a:txBody>
-                  <a:tcPr/>
-                </a:tc>
-                <a:extLst>
-                  <a:ext uri="{0D108BD9-81ED-4DB2-BD59-A6C34878D82A}">
-                    <a16:rowId xmlns:a16="http://schemas.microsoft.com/office/drawing/2014/main" val="3858106113"/>
-                  </a:ext>
-                </a:extLst>
-              </a:tr>
-              <a:tr h="268443">
-                <a:tc>
-                  <a:txBody>
-                    <a:bodyPr/>
-                    <a:lstStyle/>
-                    <a:p>
-                      <a:pPr latinLnBrk="1"/>
-                      <a:r>
-                        <a:rPr lang="ko-KR" altLang="en-US" sz="1200" dirty="0"/>
-                        <a:t>전화번호</a:t>
-                      </a:r>
-                    </a:p>
-                  </a:txBody>
-                  <a:tcPr/>
-                </a:tc>
-                <a:extLst>
-                  <a:ext uri="{0D108BD9-81ED-4DB2-BD59-A6C34878D82A}">
-                    <a16:rowId xmlns:a16="http://schemas.microsoft.com/office/drawing/2014/main" val="98262409"/>
-                  </a:ext>
-                </a:extLst>
-              </a:tr>
-              <a:tr h="137160">
-                <a:tc>
-                  <a:txBody>
-                    <a:bodyPr/>
-                    <a:lstStyle/>
-                    <a:p>
-                      <a:pPr latinLnBrk="1"/>
-                      <a:r>
-                        <a:rPr lang="ko-KR" altLang="en-US" sz="1200" dirty="0"/>
-                        <a:t>포인트</a:t>
-                      </a:r>
-                    </a:p>
-                  </a:txBody>
-                  <a:tcPr/>
-                </a:tc>
-                <a:extLst>
-                  <a:ext uri="{0D108BD9-81ED-4DB2-BD59-A6C34878D82A}">
-                    <a16:rowId xmlns:a16="http://schemas.microsoft.com/office/drawing/2014/main" val="426782052"/>
-                  </a:ext>
-                </a:extLst>
-              </a:tr>
-              <a:tr h="137160">
-                <a:tc>
-                  <a:txBody>
-                    <a:bodyPr/>
-                    <a:lstStyle/>
-                    <a:p>
-                      <a:pPr latinLnBrk="1"/>
-                      <a:r>
-                        <a:rPr lang="ko-KR" altLang="en-US" sz="1200" dirty="0"/>
-                        <a:t>상영시간</a:t>
-                      </a:r>
-                    </a:p>
-                  </a:txBody>
-                  <a:tcPr/>
-                </a:tc>
-                <a:extLst>
-                  <a:ext uri="{0D108BD9-81ED-4DB2-BD59-A6C34878D82A}">
-                    <a16:rowId xmlns:a16="http://schemas.microsoft.com/office/drawing/2014/main" val="1494828319"/>
-                  </a:ext>
-                </a:extLst>
-              </a:tr>
             </a:tbl>
           </a:graphicData>
         </a:graphic>
       </p:graphicFrame>
-      <p:sp>
-        <p:nvSpPr>
-          <p:cNvPr id="101" name="다이아몬드 100">
-            <a:extLst>
-              <a:ext uri="{FF2B5EF4-FFF2-40B4-BE49-F238E27FC236}">
-                <a16:creationId xmlns:a16="http://schemas.microsoft.com/office/drawing/2014/main" id="{0FBB8E99-BD63-403C-B945-280472C10827}"/>
-              </a:ext>
-            </a:extLst>
-          </p:cNvPr>
-          <p:cNvSpPr/>
-          <p:nvPr/>
-        </p:nvSpPr>
-        <p:spPr>
-          <a:xfrm>
-            <a:off x="964313" y="3382179"/>
-            <a:ext cx="500062" cy="328612"/>
-          </a:xfrm>
-          <a:prstGeom prst="diamond">
-            <a:avLst/>
-          </a:prstGeom>
-        </p:spPr>
-        <p:style>
-          <a:lnRef idx="2">
-            <a:schemeClr val="accent1">
-              <a:shade val="50000"/>
-            </a:schemeClr>
-          </a:lnRef>
-          <a:fillRef idx="1">
-            <a:schemeClr val="accent1"/>
-          </a:fillRef>
-          <a:effectRef idx="0">
-            <a:schemeClr val="accent1"/>
-          </a:effectRef>
-          <a:fontRef idx="minor">
-            <a:schemeClr val="lt1"/>
-          </a:fontRef>
-        </p:style>
-        <p:txBody>
-          <a:bodyPr rtlCol="0" anchor="ctr"/>
-          <a:lstStyle/>
-          <a:p>
-            <a:pPr algn="ctr"/>
-            <a:endParaRPr lang="ko-KR" altLang="en-US" dirty="0"/>
-          </a:p>
-        </p:txBody>
-      </p:sp>
-      <p:sp>
-        <p:nvSpPr>
-          <p:cNvPr id="102" name="다이아몬드 101">
-            <a:extLst>
-              <a:ext uri="{FF2B5EF4-FFF2-40B4-BE49-F238E27FC236}">
-                <a16:creationId xmlns:a16="http://schemas.microsoft.com/office/drawing/2014/main" id="{7D56F557-C4D6-46F8-BDD8-54ADBB2F75AF}"/>
-              </a:ext>
-            </a:extLst>
-          </p:cNvPr>
-          <p:cNvSpPr/>
-          <p:nvPr/>
-        </p:nvSpPr>
-        <p:spPr>
-          <a:xfrm>
-            <a:off x="3298293" y="5362677"/>
-            <a:ext cx="500062" cy="328612"/>
-          </a:xfrm>
-          <a:prstGeom prst="diamond">
-            <a:avLst/>
-          </a:prstGeom>
-        </p:spPr>
-        <p:style>
-          <a:lnRef idx="2">
-            <a:schemeClr val="accent1">
-              <a:shade val="50000"/>
-            </a:schemeClr>
-          </a:lnRef>
-          <a:fillRef idx="1">
-            <a:schemeClr val="accent1"/>
-          </a:fillRef>
-          <a:effectRef idx="0">
-            <a:schemeClr val="accent1"/>
-          </a:effectRef>
-          <a:fontRef idx="minor">
-            <a:schemeClr val="lt1"/>
-          </a:fontRef>
-        </p:style>
-        <p:txBody>
-          <a:bodyPr rtlCol="0" anchor="ctr"/>
-          <a:lstStyle/>
-          <a:p>
-            <a:pPr algn="ctr"/>
-            <a:endParaRPr lang="ko-KR" altLang="en-US"/>
-          </a:p>
-        </p:txBody>
-      </p:sp>
-      <p:cxnSp>
-        <p:nvCxnSpPr>
-          <p:cNvPr id="104" name="직선 연결선 103">
-            <a:extLst>
-              <a:ext uri="{FF2B5EF4-FFF2-40B4-BE49-F238E27FC236}">
-                <a16:creationId xmlns:a16="http://schemas.microsoft.com/office/drawing/2014/main" id="{60624B92-E9FD-4A16-87A3-ECEAA9D02354}"/>
-              </a:ext>
-            </a:extLst>
-          </p:cNvPr>
-          <p:cNvCxnSpPr>
-            <a:cxnSpLocks/>
-            <a:stCxn id="4" idx="2"/>
-            <a:endCxn id="101" idx="0"/>
-          </p:cNvCxnSpPr>
-          <p:nvPr/>
-        </p:nvCxnSpPr>
-        <p:spPr>
-          <a:xfrm>
-            <a:off x="1214344" y="2420857"/>
-            <a:ext cx="0" cy="961322"/>
-          </a:xfrm>
-          <a:prstGeom prst="line">
-            <a:avLst/>
-          </a:prstGeom>
-        </p:spPr>
-        <p:style>
-          <a:lnRef idx="1">
-            <a:schemeClr val="accent1"/>
-          </a:lnRef>
-          <a:fillRef idx="0">
-            <a:schemeClr val="accent1"/>
-          </a:fillRef>
-          <a:effectRef idx="0">
-            <a:schemeClr val="accent1"/>
-          </a:effectRef>
-          <a:fontRef idx="minor">
-            <a:schemeClr val="tx1"/>
-          </a:fontRef>
-        </p:style>
-      </p:cxnSp>
-      <p:cxnSp>
-        <p:nvCxnSpPr>
-          <p:cNvPr id="106" name="직선 연결선 105">
-            <a:extLst>
-              <a:ext uri="{FF2B5EF4-FFF2-40B4-BE49-F238E27FC236}">
-                <a16:creationId xmlns:a16="http://schemas.microsoft.com/office/drawing/2014/main" id="{A1E3AEA1-7693-4D5E-AAA2-93C023726EE2}"/>
-              </a:ext>
-            </a:extLst>
-          </p:cNvPr>
-          <p:cNvCxnSpPr>
-            <a:cxnSpLocks/>
-            <a:endCxn id="101" idx="2"/>
-          </p:cNvCxnSpPr>
-          <p:nvPr/>
-        </p:nvCxnSpPr>
-        <p:spPr>
-          <a:xfrm flipV="1">
-            <a:off x="1214344" y="3710791"/>
-            <a:ext cx="0" cy="1209435"/>
-          </a:xfrm>
-          <a:prstGeom prst="line">
-            <a:avLst/>
-          </a:prstGeom>
-        </p:spPr>
-        <p:style>
-          <a:lnRef idx="1">
-            <a:schemeClr val="accent1"/>
-          </a:lnRef>
-          <a:fillRef idx="0">
-            <a:schemeClr val="accent1"/>
-          </a:fillRef>
-          <a:effectRef idx="0">
-            <a:schemeClr val="accent1"/>
-          </a:effectRef>
-          <a:fontRef idx="minor">
-            <a:schemeClr val="tx1"/>
-          </a:fontRef>
-        </p:style>
-      </p:cxnSp>
-      <p:cxnSp>
-        <p:nvCxnSpPr>
-          <p:cNvPr id="108" name="직선 연결선 107">
-            <a:extLst>
-              <a:ext uri="{FF2B5EF4-FFF2-40B4-BE49-F238E27FC236}">
-                <a16:creationId xmlns:a16="http://schemas.microsoft.com/office/drawing/2014/main" id="{D43CCF1E-E384-416A-8559-EF3E8C6E8F2A}"/>
-              </a:ext>
-            </a:extLst>
-          </p:cNvPr>
-          <p:cNvCxnSpPr>
-            <a:endCxn id="102" idx="1"/>
-          </p:cNvCxnSpPr>
-          <p:nvPr/>
-        </p:nvCxnSpPr>
-        <p:spPr>
-          <a:xfrm>
-            <a:off x="1798544" y="5526983"/>
-            <a:ext cx="1499749" cy="0"/>
-          </a:xfrm>
-          <a:prstGeom prst="line">
-            <a:avLst/>
-          </a:prstGeom>
-        </p:spPr>
-        <p:style>
-          <a:lnRef idx="1">
-            <a:schemeClr val="accent1"/>
-          </a:lnRef>
-          <a:fillRef idx="0">
-            <a:schemeClr val="accent1"/>
-          </a:fillRef>
-          <a:effectRef idx="0">
-            <a:schemeClr val="accent1"/>
-          </a:effectRef>
-          <a:fontRef idx="minor">
-            <a:schemeClr val="tx1"/>
-          </a:fontRef>
-        </p:style>
-      </p:cxnSp>
-      <p:cxnSp>
-        <p:nvCxnSpPr>
-          <p:cNvPr id="112" name="직선 연결선 111">
-            <a:extLst>
-              <a:ext uri="{FF2B5EF4-FFF2-40B4-BE49-F238E27FC236}">
-                <a16:creationId xmlns:a16="http://schemas.microsoft.com/office/drawing/2014/main" id="{A6A64EAA-5D1C-4D1B-ABAF-DF885D7BABA2}"/>
-              </a:ext>
-            </a:extLst>
-          </p:cNvPr>
-          <p:cNvCxnSpPr>
-            <a:cxnSpLocks/>
-            <a:stCxn id="83" idx="2"/>
-            <a:endCxn id="102" idx="0"/>
-          </p:cNvCxnSpPr>
-          <p:nvPr/>
-        </p:nvCxnSpPr>
-        <p:spPr>
-          <a:xfrm>
-            <a:off x="3548324" y="4753779"/>
-            <a:ext cx="0" cy="608898"/>
-          </a:xfrm>
-          <a:prstGeom prst="line">
-            <a:avLst/>
-          </a:prstGeom>
-        </p:spPr>
-        <p:style>
-          <a:lnRef idx="1">
-            <a:schemeClr val="accent1"/>
-          </a:lnRef>
-          <a:fillRef idx="0">
-            <a:schemeClr val="accent1"/>
-          </a:fillRef>
-          <a:effectRef idx="0">
-            <a:schemeClr val="accent1"/>
-          </a:effectRef>
-          <a:fontRef idx="minor">
-            <a:schemeClr val="tx1"/>
-          </a:fontRef>
-        </p:style>
-      </p:cxnSp>
       <p:sp>
         <p:nvSpPr>
           <p:cNvPr id="113" name="다이아몬드 112">
@@ -6311,6 +5998,945 @@
           </a:fontRef>
         </p:style>
       </p:cxnSp>
+      <p:graphicFrame>
+        <p:nvGraphicFramePr>
+          <p:cNvPr id="49" name="표 4">
+            <a:extLst>
+              <a:ext uri="{FF2B5EF4-FFF2-40B4-BE49-F238E27FC236}">
+                <a16:creationId xmlns:a16="http://schemas.microsoft.com/office/drawing/2014/main" id="{318B9297-0E2F-4A2D-BD00-9B0F45FDDF71}"/>
+              </a:ext>
+            </a:extLst>
+          </p:cNvPr>
+          <p:cNvGraphicFramePr>
+            <a:graphicFrameLocks noGrp="1"/>
+          </p:cNvGraphicFramePr>
+          <p:nvPr>
+            <p:extLst>
+              <p:ext uri="{D42A27DB-BD31-4B8C-83A1-F6EECF244321}">
+                <p14:modId xmlns:p14="http://schemas.microsoft.com/office/powerpoint/2010/main" val="2895309941"/>
+              </p:ext>
+            </p:extLst>
+          </p:nvPr>
+        </p:nvGraphicFramePr>
+        <p:xfrm>
+          <a:off x="5077570" y="5552307"/>
+          <a:ext cx="1518024" cy="822960"/>
+        </p:xfrm>
+        <a:graphic>
+          <a:graphicData uri="http://schemas.openxmlformats.org/drawingml/2006/table">
+            <a:tbl>
+              <a:tblPr firstRow="1" bandRow="1">
+                <a:tableStyleId>{5C22544A-7EE6-4342-B048-85BDC9FD1C3A}</a:tableStyleId>
+              </a:tblPr>
+              <a:tblGrid>
+                <a:gridCol w="1518024">
+                  <a:extLst>
+                    <a:ext uri="{9D8B030D-6E8A-4147-A177-3AD203B41FA5}">
+                      <a16:colId xmlns:a16="http://schemas.microsoft.com/office/drawing/2014/main" val="625806152"/>
+                    </a:ext>
+                  </a:extLst>
+                </a:gridCol>
+              </a:tblGrid>
+              <a:tr h="0">
+                <a:tc>
+                  <a:txBody>
+                    <a:bodyPr/>
+                    <a:lstStyle/>
+                    <a:p>
+                      <a:pPr latinLnBrk="1"/>
+                      <a:r>
+                        <a:rPr lang="ko-KR" altLang="en-US" sz="1200" dirty="0"/>
+                        <a:t>좌석정보</a:t>
+                      </a:r>
+                      <a:r>
+                        <a:rPr lang="en-US" altLang="ko-KR" sz="1200" dirty="0"/>
+                        <a:t>(weak)</a:t>
+                      </a:r>
+                      <a:endParaRPr lang="ko-KR" altLang="en-US" sz="1200" dirty="0"/>
+                    </a:p>
+                  </a:txBody>
+                  <a:tcPr/>
+                </a:tc>
+                <a:extLst>
+                  <a:ext uri="{0D108BD9-81ED-4DB2-BD59-A6C34878D82A}">
+                    <a16:rowId xmlns:a16="http://schemas.microsoft.com/office/drawing/2014/main" val="78284043"/>
+                  </a:ext>
+                </a:extLst>
+              </a:tr>
+              <a:tr h="0">
+                <a:tc>
+                  <a:txBody>
+                    <a:bodyPr/>
+                    <a:lstStyle/>
+                    <a:p>
+                      <a:pPr latinLnBrk="1"/>
+                      <a:r>
+                        <a:rPr lang="en-US" altLang="ko-KR" sz="1200" u="sng" dirty="0"/>
+                        <a:t>ID</a:t>
+                      </a:r>
+                      <a:endParaRPr lang="ko-KR" altLang="en-US" sz="1200" u="sng" dirty="0"/>
+                    </a:p>
+                  </a:txBody>
+                  <a:tcPr/>
+                </a:tc>
+                <a:extLst>
+                  <a:ext uri="{0D108BD9-81ED-4DB2-BD59-A6C34878D82A}">
+                    <a16:rowId xmlns:a16="http://schemas.microsoft.com/office/drawing/2014/main" val="4119733417"/>
+                  </a:ext>
+                </a:extLst>
+              </a:tr>
+              <a:tr h="137965">
+                <a:tc>
+                  <a:txBody>
+                    <a:bodyPr/>
+                    <a:lstStyle/>
+                    <a:p>
+                      <a:pPr latinLnBrk="1"/>
+                      <a:r>
+                        <a:rPr lang="en-US" altLang="ko-KR" sz="1200" dirty="0"/>
+                        <a:t>name</a:t>
+                      </a:r>
+                      <a:endParaRPr lang="ko-KR" altLang="en-US" sz="1200" dirty="0"/>
+                    </a:p>
+                  </a:txBody>
+                  <a:tcPr/>
+                </a:tc>
+                <a:extLst>
+                  <a:ext uri="{0D108BD9-81ED-4DB2-BD59-A6C34878D82A}">
+                    <a16:rowId xmlns:a16="http://schemas.microsoft.com/office/drawing/2014/main" val="3858106113"/>
+                  </a:ext>
+                </a:extLst>
+              </a:tr>
+            </a:tbl>
+          </a:graphicData>
+        </a:graphic>
+      </p:graphicFrame>
+      <p:sp>
+        <p:nvSpPr>
+          <p:cNvPr id="50" name="다이아몬드 49">
+            <a:extLst>
+              <a:ext uri="{FF2B5EF4-FFF2-40B4-BE49-F238E27FC236}">
+                <a16:creationId xmlns:a16="http://schemas.microsoft.com/office/drawing/2014/main" id="{B821B168-AA06-479D-AFED-8D145CE43E17}"/>
+              </a:ext>
+            </a:extLst>
+          </p:cNvPr>
+          <p:cNvSpPr/>
+          <p:nvPr/>
+        </p:nvSpPr>
+        <p:spPr>
+          <a:xfrm>
+            <a:off x="5264494" y="4967477"/>
+            <a:ext cx="1288480" cy="372347"/>
+          </a:xfrm>
+          <a:prstGeom prst="diamond">
+            <a:avLst/>
+          </a:prstGeom>
+          <a:ln w="53975" cmpd="dbl"/>
+        </p:spPr>
+        <p:style>
+          <a:lnRef idx="2">
+            <a:schemeClr val="accent1">
+              <a:shade val="50000"/>
+            </a:schemeClr>
+          </a:lnRef>
+          <a:fillRef idx="1">
+            <a:schemeClr val="accent1"/>
+          </a:fillRef>
+          <a:effectRef idx="0">
+            <a:schemeClr val="accent1"/>
+          </a:effectRef>
+          <a:fontRef idx="minor">
+            <a:schemeClr val="lt1"/>
+          </a:fontRef>
+        </p:style>
+        <p:txBody>
+          <a:bodyPr rtlCol="0" anchor="ctr"/>
+          <a:lstStyle/>
+          <a:p>
+            <a:pPr algn="ctr"/>
+            <a:r>
+              <a:rPr lang="ko-KR" altLang="en-US" sz="800" dirty="0"/>
+              <a:t>좌석정보</a:t>
+            </a:r>
+          </a:p>
+        </p:txBody>
+      </p:sp>
+      <p:cxnSp>
+        <p:nvCxnSpPr>
+          <p:cNvPr id="55" name="직선 연결선 54">
+            <a:extLst>
+              <a:ext uri="{FF2B5EF4-FFF2-40B4-BE49-F238E27FC236}">
+                <a16:creationId xmlns:a16="http://schemas.microsoft.com/office/drawing/2014/main" id="{C6539932-EA36-4D25-875B-8918EA490DB6}"/>
+              </a:ext>
+            </a:extLst>
+          </p:cNvPr>
+          <p:cNvCxnSpPr>
+            <a:cxnSpLocks/>
+            <a:stCxn id="8" idx="2"/>
+            <a:endCxn id="50" idx="0"/>
+          </p:cNvCxnSpPr>
+          <p:nvPr/>
+        </p:nvCxnSpPr>
+        <p:spPr>
+          <a:xfrm>
+            <a:off x="5899161" y="4841768"/>
+            <a:ext cx="9573" cy="125709"/>
+          </a:xfrm>
+          <a:prstGeom prst="line">
+            <a:avLst/>
+          </a:prstGeom>
+        </p:spPr>
+        <p:style>
+          <a:lnRef idx="1">
+            <a:schemeClr val="accent1"/>
+          </a:lnRef>
+          <a:fillRef idx="0">
+            <a:schemeClr val="accent1"/>
+          </a:fillRef>
+          <a:effectRef idx="0">
+            <a:schemeClr val="accent1"/>
+          </a:effectRef>
+          <a:fontRef idx="minor">
+            <a:schemeClr val="tx1"/>
+          </a:fontRef>
+        </p:style>
+      </p:cxnSp>
+      <p:cxnSp>
+        <p:nvCxnSpPr>
+          <p:cNvPr id="56" name="직선 연결선 55">
+            <a:extLst>
+              <a:ext uri="{FF2B5EF4-FFF2-40B4-BE49-F238E27FC236}">
+                <a16:creationId xmlns:a16="http://schemas.microsoft.com/office/drawing/2014/main" id="{9EE6B634-3E6B-4039-9DA6-897D37E3596D}"/>
+              </a:ext>
+            </a:extLst>
+          </p:cNvPr>
+          <p:cNvCxnSpPr>
+            <a:cxnSpLocks/>
+          </p:cNvCxnSpPr>
+          <p:nvPr/>
+        </p:nvCxnSpPr>
+        <p:spPr>
+          <a:xfrm flipH="1">
+            <a:off x="5908734" y="5327973"/>
+            <a:ext cx="1" cy="275119"/>
+          </a:xfrm>
+          <a:prstGeom prst="line">
+            <a:avLst/>
+          </a:prstGeom>
+          <a:ln w="53975" cmpd="dbl"/>
+        </p:spPr>
+        <p:style>
+          <a:lnRef idx="1">
+            <a:schemeClr val="accent1"/>
+          </a:lnRef>
+          <a:fillRef idx="0">
+            <a:schemeClr val="accent1"/>
+          </a:fillRef>
+          <a:effectRef idx="0">
+            <a:schemeClr val="accent1"/>
+          </a:effectRef>
+          <a:fontRef idx="minor">
+            <a:schemeClr val="tx1"/>
+          </a:fontRef>
+        </p:style>
+      </p:cxnSp>
+      <p:graphicFrame>
+        <p:nvGraphicFramePr>
+          <p:cNvPr id="98" name="표 4">
+            <a:extLst>
+              <a:ext uri="{FF2B5EF4-FFF2-40B4-BE49-F238E27FC236}">
+                <a16:creationId xmlns:a16="http://schemas.microsoft.com/office/drawing/2014/main" id="{69752DAC-8395-493F-88EB-2EAFA9C9F46A}"/>
+              </a:ext>
+            </a:extLst>
+          </p:cNvPr>
+          <p:cNvGraphicFramePr>
+            <a:graphicFrameLocks noGrp="1"/>
+          </p:cNvGraphicFramePr>
+          <p:nvPr>
+            <p:extLst>
+              <p:ext uri="{D42A27DB-BD31-4B8C-83A1-F6EECF244321}">
+                <p14:modId xmlns:p14="http://schemas.microsoft.com/office/powerpoint/2010/main" val="1979363276"/>
+              </p:ext>
+            </p:extLst>
+          </p:nvPr>
+        </p:nvGraphicFramePr>
+        <p:xfrm>
+          <a:off x="1982356" y="922272"/>
+          <a:ext cx="843391" cy="564144"/>
+        </p:xfrm>
+        <a:graphic>
+          <a:graphicData uri="http://schemas.openxmlformats.org/drawingml/2006/table">
+            <a:tbl>
+              <a:tblPr firstRow="1" bandRow="1">
+                <a:tableStyleId>{5C22544A-7EE6-4342-B048-85BDC9FD1C3A}</a:tableStyleId>
+              </a:tblPr>
+              <a:tblGrid>
+                <a:gridCol w="843391">
+                  <a:extLst>
+                    <a:ext uri="{9D8B030D-6E8A-4147-A177-3AD203B41FA5}">
+                      <a16:colId xmlns:a16="http://schemas.microsoft.com/office/drawing/2014/main" val="625806152"/>
+                    </a:ext>
+                  </a:extLst>
+                </a:gridCol>
+              </a:tblGrid>
+              <a:tr h="289824">
+                <a:tc>
+                  <a:txBody>
+                    <a:bodyPr/>
+                    <a:lstStyle/>
+                    <a:p>
+                      <a:pPr latinLnBrk="1"/>
+                      <a:r>
+                        <a:rPr lang="en-US" altLang="ko-KR" sz="1200" dirty="0">
+                          <a:solidFill>
+                            <a:schemeClr val="tx1"/>
+                          </a:solidFill>
+                        </a:rPr>
+                        <a:t>rating</a:t>
+                      </a:r>
+                      <a:endParaRPr lang="ko-KR" altLang="en-US" sz="1200" dirty="0">
+                        <a:solidFill>
+                          <a:schemeClr val="tx1"/>
+                        </a:solidFill>
+                      </a:endParaRPr>
+                    </a:p>
+                  </a:txBody>
+                  <a:tcPr>
+                    <a:solidFill>
+                      <a:srgbClr val="CFD5EA"/>
+                    </a:solidFill>
+                  </a:tcPr>
+                </a:tc>
+                <a:extLst>
+                  <a:ext uri="{0D108BD9-81ED-4DB2-BD59-A6C34878D82A}">
+                    <a16:rowId xmlns:a16="http://schemas.microsoft.com/office/drawing/2014/main" val="78284043"/>
+                  </a:ext>
+                </a:extLst>
+              </a:tr>
+              <a:tr h="259818">
+                <a:tc>
+                  <a:txBody>
+                    <a:bodyPr/>
+                    <a:lstStyle/>
+                    <a:p>
+                      <a:pPr latinLnBrk="1"/>
+                      <a:r>
+                        <a:rPr lang="en-US" altLang="ko-KR" sz="1200" dirty="0"/>
+                        <a:t>Content</a:t>
+                      </a:r>
+                      <a:endParaRPr lang="ko-KR" altLang="en-US" sz="1200" dirty="0"/>
+                    </a:p>
+                  </a:txBody>
+                  <a:tcPr/>
+                </a:tc>
+                <a:extLst>
+                  <a:ext uri="{0D108BD9-81ED-4DB2-BD59-A6C34878D82A}">
+                    <a16:rowId xmlns:a16="http://schemas.microsoft.com/office/drawing/2014/main" val="98262409"/>
+                  </a:ext>
+                </a:extLst>
+              </a:tr>
+            </a:tbl>
+          </a:graphicData>
+        </a:graphic>
+      </p:graphicFrame>
+      <p:graphicFrame>
+        <p:nvGraphicFramePr>
+          <p:cNvPr id="100" name="표 4">
+            <a:extLst>
+              <a:ext uri="{FF2B5EF4-FFF2-40B4-BE49-F238E27FC236}">
+                <a16:creationId xmlns:a16="http://schemas.microsoft.com/office/drawing/2014/main" id="{B4EDBB89-9CF7-4FBC-A8B4-7B3A855F9829}"/>
+              </a:ext>
+            </a:extLst>
+          </p:cNvPr>
+          <p:cNvGraphicFramePr>
+            <a:graphicFrameLocks noGrp="1"/>
+          </p:cNvGraphicFramePr>
+          <p:nvPr>
+            <p:extLst>
+              <p:ext uri="{D42A27DB-BD31-4B8C-83A1-F6EECF244321}">
+                <p14:modId xmlns:p14="http://schemas.microsoft.com/office/powerpoint/2010/main" val="915709539"/>
+              </p:ext>
+            </p:extLst>
+          </p:nvPr>
+        </p:nvGraphicFramePr>
+        <p:xfrm>
+          <a:off x="4274863" y="-92667"/>
+          <a:ext cx="795669" cy="548640"/>
+        </p:xfrm>
+        <a:graphic>
+          <a:graphicData uri="http://schemas.openxmlformats.org/drawingml/2006/table">
+            <a:tbl>
+              <a:tblPr firstRow="1" bandRow="1">
+                <a:tableStyleId>{5C22544A-7EE6-4342-B048-85BDC9FD1C3A}</a:tableStyleId>
+              </a:tblPr>
+              <a:tblGrid>
+                <a:gridCol w="795669">
+                  <a:extLst>
+                    <a:ext uri="{9D8B030D-6E8A-4147-A177-3AD203B41FA5}">
+                      <a16:colId xmlns:a16="http://schemas.microsoft.com/office/drawing/2014/main" val="625806152"/>
+                    </a:ext>
+                  </a:extLst>
+                </a:gridCol>
+              </a:tblGrid>
+              <a:tr h="273053">
+                <a:tc>
+                  <a:txBody>
+                    <a:bodyPr/>
+                    <a:lstStyle/>
+                    <a:p>
+                      <a:pPr latinLnBrk="1"/>
+                      <a:r>
+                        <a:rPr lang="en-US" altLang="ko-KR" sz="1200" dirty="0">
+                          <a:solidFill>
+                            <a:schemeClr val="tx1"/>
+                          </a:solidFill>
+                        </a:rPr>
+                        <a:t>rating</a:t>
+                      </a:r>
+                      <a:endParaRPr lang="ko-KR" altLang="en-US" sz="1200" dirty="0">
+                        <a:solidFill>
+                          <a:schemeClr val="tx1"/>
+                        </a:solidFill>
+                      </a:endParaRPr>
+                    </a:p>
+                  </a:txBody>
+                  <a:tcPr>
+                    <a:solidFill>
+                      <a:srgbClr val="CFD5EA"/>
+                    </a:solidFill>
+                  </a:tcPr>
+                </a:tc>
+                <a:extLst>
+                  <a:ext uri="{0D108BD9-81ED-4DB2-BD59-A6C34878D82A}">
+                    <a16:rowId xmlns:a16="http://schemas.microsoft.com/office/drawing/2014/main" val="78284043"/>
+                  </a:ext>
+                </a:extLst>
+              </a:tr>
+              <a:tr h="244783">
+                <a:tc>
+                  <a:txBody>
+                    <a:bodyPr/>
+                    <a:lstStyle/>
+                    <a:p>
+                      <a:pPr latinLnBrk="1"/>
+                      <a:r>
+                        <a:rPr lang="en-US" altLang="ko-KR" sz="1200" dirty="0"/>
+                        <a:t>Content</a:t>
+                      </a:r>
+                      <a:endParaRPr lang="ko-KR" altLang="en-US" sz="1200" dirty="0"/>
+                    </a:p>
+                  </a:txBody>
+                  <a:tcPr/>
+                </a:tc>
+                <a:extLst>
+                  <a:ext uri="{0D108BD9-81ED-4DB2-BD59-A6C34878D82A}">
+                    <a16:rowId xmlns:a16="http://schemas.microsoft.com/office/drawing/2014/main" val="98262409"/>
+                  </a:ext>
+                </a:extLst>
+              </a:tr>
+            </a:tbl>
+          </a:graphicData>
+        </a:graphic>
+      </p:graphicFrame>
+      <p:sp>
+        <p:nvSpPr>
+          <p:cNvPr id="105" name="다이아몬드 104">
+            <a:extLst>
+              <a:ext uri="{FF2B5EF4-FFF2-40B4-BE49-F238E27FC236}">
+                <a16:creationId xmlns:a16="http://schemas.microsoft.com/office/drawing/2014/main" id="{D8C223F0-DC42-4F71-8802-4F9D0BE4A066}"/>
+              </a:ext>
+            </a:extLst>
+          </p:cNvPr>
+          <p:cNvSpPr/>
+          <p:nvPr/>
+        </p:nvSpPr>
+        <p:spPr>
+          <a:xfrm>
+            <a:off x="733117" y="2510216"/>
+            <a:ext cx="928740" cy="816068"/>
+          </a:xfrm>
+          <a:prstGeom prst="diamond">
+            <a:avLst/>
+          </a:prstGeom>
+        </p:spPr>
+        <p:style>
+          <a:lnRef idx="2">
+            <a:schemeClr val="accent1">
+              <a:shade val="50000"/>
+            </a:schemeClr>
+          </a:lnRef>
+          <a:fillRef idx="1">
+            <a:schemeClr val="accent1"/>
+          </a:fillRef>
+          <a:effectRef idx="0">
+            <a:schemeClr val="accent1"/>
+          </a:effectRef>
+          <a:fontRef idx="minor">
+            <a:schemeClr val="lt1"/>
+          </a:fontRef>
+        </p:style>
+        <p:txBody>
+          <a:bodyPr rtlCol="0" anchor="ctr"/>
+          <a:lstStyle/>
+          <a:p>
+            <a:pPr algn="ctr"/>
+            <a:r>
+              <a:rPr lang="ko-KR" altLang="en-US" sz="800" dirty="0"/>
+              <a:t>예매정보</a:t>
+            </a:r>
+          </a:p>
+        </p:txBody>
+      </p:sp>
+      <p:sp>
+        <p:nvSpPr>
+          <p:cNvPr id="107" name="다이아몬드 106">
+            <a:extLst>
+              <a:ext uri="{FF2B5EF4-FFF2-40B4-BE49-F238E27FC236}">
+                <a16:creationId xmlns:a16="http://schemas.microsoft.com/office/drawing/2014/main" id="{A9D12777-A182-493D-ADFB-4EAFF5201C61}"/>
+              </a:ext>
+            </a:extLst>
+          </p:cNvPr>
+          <p:cNvSpPr/>
+          <p:nvPr/>
+        </p:nvSpPr>
+        <p:spPr>
+          <a:xfrm>
+            <a:off x="1875241" y="3344848"/>
+            <a:ext cx="928740" cy="816068"/>
+          </a:xfrm>
+          <a:prstGeom prst="diamond">
+            <a:avLst/>
+          </a:prstGeom>
+        </p:spPr>
+        <p:style>
+          <a:lnRef idx="2">
+            <a:schemeClr val="accent1">
+              <a:shade val="50000"/>
+            </a:schemeClr>
+          </a:lnRef>
+          <a:fillRef idx="1">
+            <a:schemeClr val="accent1"/>
+          </a:fillRef>
+          <a:effectRef idx="0">
+            <a:schemeClr val="accent1"/>
+          </a:effectRef>
+          <a:fontRef idx="minor">
+            <a:schemeClr val="lt1"/>
+          </a:fontRef>
+        </p:style>
+        <p:txBody>
+          <a:bodyPr rtlCol="0" anchor="ctr"/>
+          <a:lstStyle/>
+          <a:p>
+            <a:pPr algn="ctr"/>
+            <a:r>
+              <a:rPr lang="ko-KR" altLang="en-US" sz="800" dirty="0"/>
+              <a:t>예매정보</a:t>
+            </a:r>
+          </a:p>
+        </p:txBody>
+      </p:sp>
+      <p:graphicFrame>
+        <p:nvGraphicFramePr>
+          <p:cNvPr id="109" name="표 4">
+            <a:extLst>
+              <a:ext uri="{FF2B5EF4-FFF2-40B4-BE49-F238E27FC236}">
+                <a16:creationId xmlns:a16="http://schemas.microsoft.com/office/drawing/2014/main" id="{E12CACDC-5894-44F2-B1F9-D524E4A67768}"/>
+              </a:ext>
+            </a:extLst>
+          </p:cNvPr>
+          <p:cNvGraphicFramePr>
+            <a:graphicFrameLocks noGrp="1"/>
+          </p:cNvGraphicFramePr>
+          <p:nvPr>
+            <p:extLst>
+              <p:ext uri="{D42A27DB-BD31-4B8C-83A1-F6EECF244321}">
+                <p14:modId xmlns:p14="http://schemas.microsoft.com/office/powerpoint/2010/main" val="3738556923"/>
+              </p:ext>
+            </p:extLst>
+          </p:nvPr>
+        </p:nvGraphicFramePr>
+        <p:xfrm>
+          <a:off x="575887" y="4579630"/>
+          <a:ext cx="1249082" cy="1057840"/>
+        </p:xfrm>
+        <a:graphic>
+          <a:graphicData uri="http://schemas.openxmlformats.org/drawingml/2006/table">
+            <a:tbl>
+              <a:tblPr firstRow="1" bandRow="1">
+                <a:tableStyleId>{5C22544A-7EE6-4342-B048-85BDC9FD1C3A}</a:tableStyleId>
+              </a:tblPr>
+              <a:tblGrid>
+                <a:gridCol w="1249082">
+                  <a:extLst>
+                    <a:ext uri="{9D8B030D-6E8A-4147-A177-3AD203B41FA5}">
+                      <a16:colId xmlns:a16="http://schemas.microsoft.com/office/drawing/2014/main" val="625806152"/>
+                    </a:ext>
+                  </a:extLst>
+                </a:gridCol>
+              </a:tblGrid>
+              <a:tr h="384976">
+                <a:tc>
+                  <a:txBody>
+                    <a:bodyPr/>
+                    <a:lstStyle/>
+                    <a:p>
+                      <a:pPr latinLnBrk="1"/>
+                      <a:r>
+                        <a:rPr lang="ko-KR" altLang="en-US" sz="1200" strike="noStrike" dirty="0"/>
+                        <a:t>티켓</a:t>
+                      </a:r>
+                    </a:p>
+                  </a:txBody>
+                  <a:tcPr/>
+                </a:tc>
+                <a:extLst>
+                  <a:ext uri="{0D108BD9-81ED-4DB2-BD59-A6C34878D82A}">
+                    <a16:rowId xmlns:a16="http://schemas.microsoft.com/office/drawing/2014/main" val="78284043"/>
+                  </a:ext>
+                </a:extLst>
+              </a:tr>
+              <a:tr h="203635">
+                <a:tc>
+                  <a:txBody>
+                    <a:bodyPr/>
+                    <a:lstStyle/>
+                    <a:p>
+                      <a:pPr latinLnBrk="1"/>
+                      <a:r>
+                        <a:rPr lang="ko-KR" altLang="en-US" sz="1200" u="sng" strike="noStrike" dirty="0"/>
+                        <a:t>티켓번호</a:t>
+                      </a:r>
+                    </a:p>
+                  </a:txBody>
+                  <a:tcPr/>
+                </a:tc>
+                <a:extLst>
+                  <a:ext uri="{0D108BD9-81ED-4DB2-BD59-A6C34878D82A}">
+                    <a16:rowId xmlns:a16="http://schemas.microsoft.com/office/drawing/2014/main" val="3858106113"/>
+                  </a:ext>
+                </a:extLst>
+              </a:tr>
+              <a:tr h="398544">
+                <a:tc>
+                  <a:txBody>
+                    <a:bodyPr/>
+                    <a:lstStyle/>
+                    <a:p>
+                      <a:pPr latinLnBrk="1"/>
+                      <a:r>
+                        <a:rPr lang="en-US" altLang="ko-KR" sz="1200" strike="noStrike" dirty="0"/>
+                        <a:t>type</a:t>
+                      </a:r>
+                      <a:endParaRPr lang="ko-KR" altLang="en-US" sz="1200" strike="noStrike" dirty="0"/>
+                    </a:p>
+                  </a:txBody>
+                  <a:tcPr/>
+                </a:tc>
+                <a:extLst>
+                  <a:ext uri="{0D108BD9-81ED-4DB2-BD59-A6C34878D82A}">
+                    <a16:rowId xmlns:a16="http://schemas.microsoft.com/office/drawing/2014/main" val="98262409"/>
+                  </a:ext>
+                </a:extLst>
+              </a:tr>
+            </a:tbl>
+          </a:graphicData>
+        </a:graphic>
+      </p:graphicFrame>
+      <p:sp>
+        <p:nvSpPr>
+          <p:cNvPr id="110" name="다이아몬드 109">
+            <a:extLst>
+              <a:ext uri="{FF2B5EF4-FFF2-40B4-BE49-F238E27FC236}">
+                <a16:creationId xmlns:a16="http://schemas.microsoft.com/office/drawing/2014/main" id="{F1BBE3F3-F05D-409A-84BC-AC4CEE7717E4}"/>
+              </a:ext>
+            </a:extLst>
+          </p:cNvPr>
+          <p:cNvSpPr/>
+          <p:nvPr/>
+        </p:nvSpPr>
+        <p:spPr>
+          <a:xfrm>
+            <a:off x="575887" y="4108807"/>
+            <a:ext cx="1288480" cy="372347"/>
+          </a:xfrm>
+          <a:prstGeom prst="diamond">
+            <a:avLst/>
+          </a:prstGeom>
+          <a:ln w="53975" cmpd="dbl"/>
+        </p:spPr>
+        <p:style>
+          <a:lnRef idx="2">
+            <a:schemeClr val="accent1">
+              <a:shade val="50000"/>
+            </a:schemeClr>
+          </a:lnRef>
+          <a:fillRef idx="1">
+            <a:schemeClr val="accent1"/>
+          </a:fillRef>
+          <a:effectRef idx="0">
+            <a:schemeClr val="accent1"/>
+          </a:effectRef>
+          <a:fontRef idx="minor">
+            <a:schemeClr val="lt1"/>
+          </a:fontRef>
+        </p:style>
+        <p:txBody>
+          <a:bodyPr rtlCol="0" anchor="ctr"/>
+          <a:lstStyle/>
+          <a:p>
+            <a:pPr algn="ctr"/>
+            <a:r>
+              <a:rPr lang="ko-KR" altLang="en-US" sz="800" dirty="0"/>
+              <a:t>티켓</a:t>
+            </a:r>
+          </a:p>
+        </p:txBody>
+      </p:sp>
+      <p:sp>
+        <p:nvSpPr>
+          <p:cNvPr id="114" name="다이아몬드 113">
+            <a:extLst>
+              <a:ext uri="{FF2B5EF4-FFF2-40B4-BE49-F238E27FC236}">
+                <a16:creationId xmlns:a16="http://schemas.microsoft.com/office/drawing/2014/main" id="{4DADE997-D62B-4AE8-9E43-237A24FA5265}"/>
+              </a:ext>
+            </a:extLst>
+          </p:cNvPr>
+          <p:cNvSpPr/>
+          <p:nvPr/>
+        </p:nvSpPr>
+        <p:spPr>
+          <a:xfrm>
+            <a:off x="2993132" y="5339824"/>
+            <a:ext cx="1288479" cy="1028131"/>
+          </a:xfrm>
+          <a:prstGeom prst="diamond">
+            <a:avLst/>
+          </a:prstGeom>
+        </p:spPr>
+        <p:style>
+          <a:lnRef idx="2">
+            <a:schemeClr val="accent1">
+              <a:shade val="50000"/>
+            </a:schemeClr>
+          </a:lnRef>
+          <a:fillRef idx="1">
+            <a:schemeClr val="accent1"/>
+          </a:fillRef>
+          <a:effectRef idx="0">
+            <a:schemeClr val="accent1"/>
+          </a:effectRef>
+          <a:fontRef idx="minor">
+            <a:schemeClr val="lt1"/>
+          </a:fontRef>
+        </p:style>
+        <p:txBody>
+          <a:bodyPr rtlCol="0" anchor="ctr"/>
+          <a:lstStyle/>
+          <a:p>
+            <a:pPr algn="ctr"/>
+            <a:r>
+              <a:rPr lang="ko-KR" altLang="en-US" sz="800" dirty="0"/>
+              <a:t>상영 중</a:t>
+            </a:r>
+            <a:endParaRPr lang="en-US" altLang="ko-KR" sz="800" dirty="0"/>
+          </a:p>
+          <a:p>
+            <a:pPr algn="ctr"/>
+            <a:r>
+              <a:rPr lang="ko-KR" altLang="en-US" sz="800" dirty="0"/>
+              <a:t>좌석정보</a:t>
+            </a:r>
+          </a:p>
+        </p:txBody>
+      </p:sp>
+      <p:cxnSp>
+        <p:nvCxnSpPr>
+          <p:cNvPr id="81" name="직선 연결선 80">
+            <a:extLst>
+              <a:ext uri="{FF2B5EF4-FFF2-40B4-BE49-F238E27FC236}">
+                <a16:creationId xmlns:a16="http://schemas.microsoft.com/office/drawing/2014/main" id="{931FE173-F67C-4768-88E4-219FC03BA165}"/>
+              </a:ext>
+            </a:extLst>
+          </p:cNvPr>
+          <p:cNvCxnSpPr>
+            <a:cxnSpLocks/>
+            <a:stCxn id="83" idx="2"/>
+            <a:endCxn id="114" idx="0"/>
+          </p:cNvCxnSpPr>
+          <p:nvPr/>
+        </p:nvCxnSpPr>
+        <p:spPr>
+          <a:xfrm>
+            <a:off x="3548324" y="4205139"/>
+            <a:ext cx="89048" cy="1134685"/>
+          </a:xfrm>
+          <a:prstGeom prst="line">
+            <a:avLst/>
+          </a:prstGeom>
+        </p:spPr>
+        <p:style>
+          <a:lnRef idx="1">
+            <a:schemeClr val="accent1"/>
+          </a:lnRef>
+          <a:fillRef idx="0">
+            <a:schemeClr val="accent1"/>
+          </a:fillRef>
+          <a:effectRef idx="0">
+            <a:schemeClr val="accent1"/>
+          </a:effectRef>
+          <a:fontRef idx="minor">
+            <a:schemeClr val="tx1"/>
+          </a:fontRef>
+        </p:style>
+      </p:cxnSp>
+      <p:cxnSp>
+        <p:nvCxnSpPr>
+          <p:cNvPr id="84" name="직선 연결선 83">
+            <a:extLst>
+              <a:ext uri="{FF2B5EF4-FFF2-40B4-BE49-F238E27FC236}">
+                <a16:creationId xmlns:a16="http://schemas.microsoft.com/office/drawing/2014/main" id="{F45FA862-E9F6-414A-B827-490539926E9E}"/>
+              </a:ext>
+            </a:extLst>
+          </p:cNvPr>
+          <p:cNvCxnSpPr>
+            <a:cxnSpLocks/>
+            <a:endCxn id="114" idx="3"/>
+          </p:cNvCxnSpPr>
+          <p:nvPr/>
+        </p:nvCxnSpPr>
+        <p:spPr>
+          <a:xfrm flipH="1">
+            <a:off x="4281611" y="5853889"/>
+            <a:ext cx="890919" cy="1"/>
+          </a:xfrm>
+          <a:prstGeom prst="line">
+            <a:avLst/>
+          </a:prstGeom>
+        </p:spPr>
+        <p:style>
+          <a:lnRef idx="1">
+            <a:schemeClr val="accent1"/>
+          </a:lnRef>
+          <a:fillRef idx="0">
+            <a:schemeClr val="accent1"/>
+          </a:fillRef>
+          <a:effectRef idx="0">
+            <a:schemeClr val="accent1"/>
+          </a:effectRef>
+          <a:fontRef idx="minor">
+            <a:schemeClr val="tx1"/>
+          </a:fontRef>
+        </p:style>
+      </p:cxnSp>
+      <p:graphicFrame>
+        <p:nvGraphicFramePr>
+          <p:cNvPr id="115" name="표 4">
+            <a:extLst>
+              <a:ext uri="{FF2B5EF4-FFF2-40B4-BE49-F238E27FC236}">
+                <a16:creationId xmlns:a16="http://schemas.microsoft.com/office/drawing/2014/main" id="{AEDA06E0-C1B3-496A-91B5-E93D9A81415B}"/>
+              </a:ext>
+            </a:extLst>
+          </p:cNvPr>
+          <p:cNvGraphicFramePr>
+            <a:graphicFrameLocks noGrp="1"/>
+          </p:cNvGraphicFramePr>
+          <p:nvPr>
+            <p:extLst>
+              <p:ext uri="{D42A27DB-BD31-4B8C-83A1-F6EECF244321}">
+                <p14:modId xmlns:p14="http://schemas.microsoft.com/office/powerpoint/2010/main" val="320288054"/>
+              </p:ext>
+            </p:extLst>
+          </p:nvPr>
+        </p:nvGraphicFramePr>
+        <p:xfrm>
+          <a:off x="483445" y="6035040"/>
+          <a:ext cx="1518024" cy="822960"/>
+        </p:xfrm>
+        <a:graphic>
+          <a:graphicData uri="http://schemas.openxmlformats.org/drawingml/2006/table">
+            <a:tbl>
+              <a:tblPr firstRow="1" bandRow="1">
+                <a:tableStyleId>{5C22544A-7EE6-4342-B048-85BDC9FD1C3A}</a:tableStyleId>
+              </a:tblPr>
+              <a:tblGrid>
+                <a:gridCol w="1518024">
+                  <a:extLst>
+                    <a:ext uri="{9D8B030D-6E8A-4147-A177-3AD203B41FA5}">
+                      <a16:colId xmlns:a16="http://schemas.microsoft.com/office/drawing/2014/main" val="625806152"/>
+                    </a:ext>
+                  </a:extLst>
+                </a:gridCol>
+              </a:tblGrid>
+              <a:tr h="0">
+                <a:tc>
+                  <a:txBody>
+                    <a:bodyPr/>
+                    <a:lstStyle/>
+                    <a:p>
+                      <a:pPr latinLnBrk="1"/>
+                      <a:r>
+                        <a:rPr lang="ko-KR" altLang="en-US" sz="1200" dirty="0"/>
+                        <a:t>좌석타입</a:t>
+                      </a:r>
+                    </a:p>
+                  </a:txBody>
+                  <a:tcPr/>
+                </a:tc>
+                <a:extLst>
+                  <a:ext uri="{0D108BD9-81ED-4DB2-BD59-A6C34878D82A}">
+                    <a16:rowId xmlns:a16="http://schemas.microsoft.com/office/drawing/2014/main" val="78284043"/>
+                  </a:ext>
+                </a:extLst>
+              </a:tr>
+              <a:tr h="0">
+                <a:tc>
+                  <a:txBody>
+                    <a:bodyPr/>
+                    <a:lstStyle/>
+                    <a:p>
+                      <a:pPr latinLnBrk="1"/>
+                      <a:r>
+                        <a:rPr lang="en-US" altLang="ko-KR" sz="1200" u="sng" dirty="0"/>
+                        <a:t>Type</a:t>
+                      </a:r>
+                      <a:endParaRPr lang="ko-KR" altLang="en-US" sz="1200" u="sng" dirty="0"/>
+                    </a:p>
+                  </a:txBody>
+                  <a:tcPr/>
+                </a:tc>
+                <a:extLst>
+                  <a:ext uri="{0D108BD9-81ED-4DB2-BD59-A6C34878D82A}">
+                    <a16:rowId xmlns:a16="http://schemas.microsoft.com/office/drawing/2014/main" val="4119733417"/>
+                  </a:ext>
+                </a:extLst>
+              </a:tr>
+              <a:tr h="0">
+                <a:tc>
+                  <a:txBody>
+                    <a:bodyPr/>
+                    <a:lstStyle/>
+                    <a:p>
+                      <a:pPr latinLnBrk="1"/>
+                      <a:r>
+                        <a:rPr lang="en-US" altLang="ko-KR" sz="1200" dirty="0"/>
+                        <a:t>weight</a:t>
+                      </a:r>
+                      <a:endParaRPr lang="ko-KR" altLang="en-US" sz="1200" dirty="0"/>
+                    </a:p>
+                  </a:txBody>
+                  <a:tcPr/>
+                </a:tc>
+                <a:extLst>
+                  <a:ext uri="{0D108BD9-81ED-4DB2-BD59-A6C34878D82A}">
+                    <a16:rowId xmlns:a16="http://schemas.microsoft.com/office/drawing/2014/main" val="3858106113"/>
+                  </a:ext>
+                </a:extLst>
+              </a:tr>
+            </a:tbl>
+          </a:graphicData>
+        </a:graphic>
+      </p:graphicFrame>
     </p:spTree>
     <p:extLst>
       <p:ext uri="{BB962C8B-B14F-4D97-AF65-F5344CB8AC3E}">
